--- a/ppt and notes/AdoptEase.pptx
+++ b/ppt and notes/AdoptEase.pptx
@@ -272,7 +272,7 @@
           <a:p>
             <a:fld id="{CF6916CF-7E12-46C3-A184-553814E5121E}" type="datetimeFigureOut">
               <a:rPr lang="en-IN" smtClean="0"/>
-              <a:t>15-07-2024</a:t>
+              <a:t>19-07-2024</a:t>
             </a:fld>
             <a:endParaRPr lang="en-IN"/>
           </a:p>
@@ -472,7 +472,7 @@
           <a:p>
             <a:fld id="{CF6916CF-7E12-46C3-A184-553814E5121E}" type="datetimeFigureOut">
               <a:rPr lang="en-IN" smtClean="0"/>
-              <a:t>15-07-2024</a:t>
+              <a:t>19-07-2024</a:t>
             </a:fld>
             <a:endParaRPr lang="en-IN"/>
           </a:p>
@@ -682,7 +682,7 @@
           <a:p>
             <a:fld id="{CF6916CF-7E12-46C3-A184-553814E5121E}" type="datetimeFigureOut">
               <a:rPr lang="en-IN" smtClean="0"/>
-              <a:t>15-07-2024</a:t>
+              <a:t>19-07-2024</a:t>
             </a:fld>
             <a:endParaRPr lang="en-IN"/>
           </a:p>
@@ -882,7 +882,7 @@
           <a:p>
             <a:fld id="{CF6916CF-7E12-46C3-A184-553814E5121E}" type="datetimeFigureOut">
               <a:rPr lang="en-IN" smtClean="0"/>
-              <a:t>15-07-2024</a:t>
+              <a:t>19-07-2024</a:t>
             </a:fld>
             <a:endParaRPr lang="en-IN"/>
           </a:p>
@@ -1158,7 +1158,7 @@
           <a:p>
             <a:fld id="{CF6916CF-7E12-46C3-A184-553814E5121E}" type="datetimeFigureOut">
               <a:rPr lang="en-IN" smtClean="0"/>
-              <a:t>15-07-2024</a:t>
+              <a:t>19-07-2024</a:t>
             </a:fld>
             <a:endParaRPr lang="en-IN"/>
           </a:p>
@@ -1426,7 +1426,7 @@
           <a:p>
             <a:fld id="{CF6916CF-7E12-46C3-A184-553814E5121E}" type="datetimeFigureOut">
               <a:rPr lang="en-IN" smtClean="0"/>
-              <a:t>15-07-2024</a:t>
+              <a:t>19-07-2024</a:t>
             </a:fld>
             <a:endParaRPr lang="en-IN"/>
           </a:p>
@@ -1841,7 +1841,7 @@
           <a:p>
             <a:fld id="{CF6916CF-7E12-46C3-A184-553814E5121E}" type="datetimeFigureOut">
               <a:rPr lang="en-IN" smtClean="0"/>
-              <a:t>15-07-2024</a:t>
+              <a:t>19-07-2024</a:t>
             </a:fld>
             <a:endParaRPr lang="en-IN"/>
           </a:p>
@@ -1983,7 +1983,7 @@
           <a:p>
             <a:fld id="{CF6916CF-7E12-46C3-A184-553814E5121E}" type="datetimeFigureOut">
               <a:rPr lang="en-IN" smtClean="0"/>
-              <a:t>15-07-2024</a:t>
+              <a:t>19-07-2024</a:t>
             </a:fld>
             <a:endParaRPr lang="en-IN"/>
           </a:p>
@@ -2096,7 +2096,7 @@
           <a:p>
             <a:fld id="{CF6916CF-7E12-46C3-A184-553814E5121E}" type="datetimeFigureOut">
               <a:rPr lang="en-IN" smtClean="0"/>
-              <a:t>15-07-2024</a:t>
+              <a:t>19-07-2024</a:t>
             </a:fld>
             <a:endParaRPr lang="en-IN"/>
           </a:p>
@@ -2409,7 +2409,7 @@
           <a:p>
             <a:fld id="{CF6916CF-7E12-46C3-A184-553814E5121E}" type="datetimeFigureOut">
               <a:rPr lang="en-IN" smtClean="0"/>
-              <a:t>15-07-2024</a:t>
+              <a:t>19-07-2024</a:t>
             </a:fld>
             <a:endParaRPr lang="en-IN"/>
           </a:p>
@@ -2698,7 +2698,7 @@
           <a:p>
             <a:fld id="{CF6916CF-7E12-46C3-A184-553814E5121E}" type="datetimeFigureOut">
               <a:rPr lang="en-IN" smtClean="0"/>
-              <a:t>15-07-2024</a:t>
+              <a:t>19-07-2024</a:t>
             </a:fld>
             <a:endParaRPr lang="en-IN"/>
           </a:p>
@@ -2941,7 +2941,7 @@
           <a:p>
             <a:fld id="{CF6916CF-7E12-46C3-A184-553814E5121E}" type="datetimeFigureOut">
               <a:rPr lang="en-IN" smtClean="0"/>
-              <a:t>15-07-2024</a:t>
+              <a:t>19-07-2024</a:t>
             </a:fld>
             <a:endParaRPr lang="en-IN"/>
           </a:p>
@@ -4442,12 +4442,47 @@
           </a:p>
         </p:txBody>
       </p:sp>
+      <p:sp>
+        <p:nvSpPr>
+          <p:cNvPr id="2" name="TextBox 1">
+            <a:extLst>
+              <a:ext uri="{FF2B5EF4-FFF2-40B4-BE49-F238E27FC236}">
+                <a16:creationId xmlns:a16="http://schemas.microsoft.com/office/drawing/2014/main" id="{7099D6FE-C661-E6A7-5479-CA6F054C8DFA}"/>
+              </a:ext>
+            </a:extLst>
+          </p:cNvPr>
+          <p:cNvSpPr txBox="1"/>
+          <p:nvPr/>
+        </p:nvSpPr>
+        <p:spPr>
+          <a:xfrm>
+            <a:off x="6967980" y="0"/>
+            <a:ext cx="3576813" cy="523220"/>
+          </a:xfrm>
+          <a:prstGeom prst="rect">
+            <a:avLst/>
+          </a:prstGeom>
+          <a:noFill/>
+        </p:spPr>
+        <p:txBody>
+          <a:bodyPr wrap="none" rtlCol="0">
+            <a:spAutoFit/>
+          </a:bodyPr>
+          <a:lstStyle/>
+          <a:p>
+            <a:r>
+              <a:rPr lang="en-IN" sz="2800" u="sng" dirty="0"/>
+              <a:t>User Dashboard Layout</a:t>
+            </a:r>
+          </a:p>
+        </p:txBody>
+      </p:sp>
       <p:pic>
         <p:nvPicPr>
-          <p:cNvPr id="6" name="Picture 5">
-            <a:extLst>
-              <a:ext uri="{FF2B5EF4-FFF2-40B4-BE49-F238E27FC236}">
-                <a16:creationId xmlns:a16="http://schemas.microsoft.com/office/drawing/2014/main" id="{ED76F4CE-6C0A-8B03-7A70-C1A31849B249}"/>
+          <p:cNvPr id="4" name="Picture 3">
+            <a:extLst>
+              <a:ext uri="{FF2B5EF4-FFF2-40B4-BE49-F238E27FC236}">
+                <a16:creationId xmlns:a16="http://schemas.microsoft.com/office/drawing/2014/main" id="{F3A13BC8-FF19-7F63-96FF-450F87FD496C}"/>
               </a:ext>
             </a:extLst>
           </p:cNvPr>
@@ -4469,56 +4504,21 @@
           </a:stretch>
         </p:blipFill>
         <p:spPr>
-          <a:xfrm rot="16200000">
-            <a:off x="410331" y="660133"/>
-            <a:ext cx="6070825" cy="5853561"/>
+          <a:xfrm>
+            <a:off x="6645202" y="523220"/>
+            <a:ext cx="5430534" cy="6125033"/>
           </a:xfrm>
           <a:prstGeom prst="rect">
             <a:avLst/>
           </a:prstGeom>
         </p:spPr>
       </p:pic>
-      <p:sp>
-        <p:nvSpPr>
-          <p:cNvPr id="2" name="TextBox 1">
-            <a:extLst>
-              <a:ext uri="{FF2B5EF4-FFF2-40B4-BE49-F238E27FC236}">
-                <a16:creationId xmlns:a16="http://schemas.microsoft.com/office/drawing/2014/main" id="{7099D6FE-C661-E6A7-5479-CA6F054C8DFA}"/>
-              </a:ext>
-            </a:extLst>
-          </p:cNvPr>
-          <p:cNvSpPr txBox="1"/>
-          <p:nvPr/>
-        </p:nvSpPr>
-        <p:spPr>
-          <a:xfrm>
-            <a:off x="6967980" y="0"/>
-            <a:ext cx="3576813" cy="523220"/>
-          </a:xfrm>
-          <a:prstGeom prst="rect">
-            <a:avLst/>
-          </a:prstGeom>
-          <a:noFill/>
-        </p:spPr>
-        <p:txBody>
-          <a:bodyPr wrap="none" rtlCol="0">
-            <a:spAutoFit/>
-          </a:bodyPr>
-          <a:lstStyle/>
-          <a:p>
-            <a:r>
-              <a:rPr lang="en-IN" sz="2800" u="sng" dirty="0"/>
-              <a:t>User Dashboard Layout</a:t>
-            </a:r>
-          </a:p>
-        </p:txBody>
-      </p:sp>
       <p:pic>
         <p:nvPicPr>
-          <p:cNvPr id="4" name="Picture 3">
-            <a:extLst>
-              <a:ext uri="{FF2B5EF4-FFF2-40B4-BE49-F238E27FC236}">
-                <a16:creationId xmlns:a16="http://schemas.microsoft.com/office/drawing/2014/main" id="{F3A13BC8-FF19-7F63-96FF-450F87FD496C}"/>
+          <p:cNvPr id="9" name="Picture 8">
+            <a:extLst>
+              <a:ext uri="{FF2B5EF4-FFF2-40B4-BE49-F238E27FC236}">
+                <a16:creationId xmlns:a16="http://schemas.microsoft.com/office/drawing/2014/main" id="{E89D95FF-4848-CBBF-0889-B009E95905F1}"/>
               </a:ext>
             </a:extLst>
           </p:cNvPr>
@@ -4541,8 +4541,8 @@
         </p:blipFill>
         <p:spPr>
           <a:xfrm>
-            <a:off x="6645202" y="523220"/>
-            <a:ext cx="5430534" cy="6125033"/>
+            <a:off x="326053" y="654423"/>
+            <a:ext cx="6047853" cy="5993830"/>
           </a:xfrm>
           <a:prstGeom prst="rect">
             <a:avLst/>
@@ -4652,10 +4652,10 @@
       </p:pic>
       <p:pic>
         <p:nvPicPr>
-          <p:cNvPr id="10" name="Picture 9">
-            <a:extLst>
-              <a:ext uri="{FF2B5EF4-FFF2-40B4-BE49-F238E27FC236}">
-                <a16:creationId xmlns:a16="http://schemas.microsoft.com/office/drawing/2014/main" id="{9671246B-AC5F-44E3-3767-F644736036C8}"/>
+          <p:cNvPr id="3" name="Picture 2">
+            <a:extLst>
+              <a:ext uri="{FF2B5EF4-FFF2-40B4-BE49-F238E27FC236}">
+                <a16:creationId xmlns:a16="http://schemas.microsoft.com/office/drawing/2014/main" id="{50C4E9F1-2DA0-F326-DD02-3983ECEFA326}"/>
               </a:ext>
             </a:extLst>
           </p:cNvPr>
@@ -4678,8 +4678,8 @@
         </p:blipFill>
         <p:spPr>
           <a:xfrm>
-            <a:off x="6515494" y="942680"/>
-            <a:ext cx="5362280" cy="5733869"/>
+            <a:off x="5979459" y="942680"/>
+            <a:ext cx="6053147" cy="5733868"/>
           </a:xfrm>
           <a:prstGeom prst="rect">
             <a:avLst/>

--- a/ppt and notes/AdoptEase.pptx
+++ b/ppt and notes/AdoptEase.pptx
@@ -272,7 +272,7 @@
           <a:p>
             <a:fld id="{CF6916CF-7E12-46C3-A184-553814E5121E}" type="datetimeFigureOut">
               <a:rPr lang="en-IN" smtClean="0"/>
-              <a:t>19-07-2024</a:t>
+              <a:t>28-07-2024</a:t>
             </a:fld>
             <a:endParaRPr lang="en-IN"/>
           </a:p>
@@ -472,7 +472,7 @@
           <a:p>
             <a:fld id="{CF6916CF-7E12-46C3-A184-553814E5121E}" type="datetimeFigureOut">
               <a:rPr lang="en-IN" smtClean="0"/>
-              <a:t>19-07-2024</a:t>
+              <a:t>28-07-2024</a:t>
             </a:fld>
             <a:endParaRPr lang="en-IN"/>
           </a:p>
@@ -682,7 +682,7 @@
           <a:p>
             <a:fld id="{CF6916CF-7E12-46C3-A184-553814E5121E}" type="datetimeFigureOut">
               <a:rPr lang="en-IN" smtClean="0"/>
-              <a:t>19-07-2024</a:t>
+              <a:t>28-07-2024</a:t>
             </a:fld>
             <a:endParaRPr lang="en-IN"/>
           </a:p>
@@ -882,7 +882,7 @@
           <a:p>
             <a:fld id="{CF6916CF-7E12-46C3-A184-553814E5121E}" type="datetimeFigureOut">
               <a:rPr lang="en-IN" smtClean="0"/>
-              <a:t>19-07-2024</a:t>
+              <a:t>28-07-2024</a:t>
             </a:fld>
             <a:endParaRPr lang="en-IN"/>
           </a:p>
@@ -1158,7 +1158,7 @@
           <a:p>
             <a:fld id="{CF6916CF-7E12-46C3-A184-553814E5121E}" type="datetimeFigureOut">
               <a:rPr lang="en-IN" smtClean="0"/>
-              <a:t>19-07-2024</a:t>
+              <a:t>28-07-2024</a:t>
             </a:fld>
             <a:endParaRPr lang="en-IN"/>
           </a:p>
@@ -1426,7 +1426,7 @@
           <a:p>
             <a:fld id="{CF6916CF-7E12-46C3-A184-553814E5121E}" type="datetimeFigureOut">
               <a:rPr lang="en-IN" smtClean="0"/>
-              <a:t>19-07-2024</a:t>
+              <a:t>28-07-2024</a:t>
             </a:fld>
             <a:endParaRPr lang="en-IN"/>
           </a:p>
@@ -1841,7 +1841,7 @@
           <a:p>
             <a:fld id="{CF6916CF-7E12-46C3-A184-553814E5121E}" type="datetimeFigureOut">
               <a:rPr lang="en-IN" smtClean="0"/>
-              <a:t>19-07-2024</a:t>
+              <a:t>28-07-2024</a:t>
             </a:fld>
             <a:endParaRPr lang="en-IN"/>
           </a:p>
@@ -1983,7 +1983,7 @@
           <a:p>
             <a:fld id="{CF6916CF-7E12-46C3-A184-553814E5121E}" type="datetimeFigureOut">
               <a:rPr lang="en-IN" smtClean="0"/>
-              <a:t>19-07-2024</a:t>
+              <a:t>28-07-2024</a:t>
             </a:fld>
             <a:endParaRPr lang="en-IN"/>
           </a:p>
@@ -2096,7 +2096,7 @@
           <a:p>
             <a:fld id="{CF6916CF-7E12-46C3-A184-553814E5121E}" type="datetimeFigureOut">
               <a:rPr lang="en-IN" smtClean="0"/>
-              <a:t>19-07-2024</a:t>
+              <a:t>28-07-2024</a:t>
             </a:fld>
             <a:endParaRPr lang="en-IN"/>
           </a:p>
@@ -2409,7 +2409,7 @@
           <a:p>
             <a:fld id="{CF6916CF-7E12-46C3-A184-553814E5121E}" type="datetimeFigureOut">
               <a:rPr lang="en-IN" smtClean="0"/>
-              <a:t>19-07-2024</a:t>
+              <a:t>28-07-2024</a:t>
             </a:fld>
             <a:endParaRPr lang="en-IN"/>
           </a:p>
@@ -2698,7 +2698,7 @@
           <a:p>
             <a:fld id="{CF6916CF-7E12-46C3-A184-553814E5121E}" type="datetimeFigureOut">
               <a:rPr lang="en-IN" smtClean="0"/>
-              <a:t>19-07-2024</a:t>
+              <a:t>28-07-2024</a:t>
             </a:fld>
             <a:endParaRPr lang="en-IN"/>
           </a:p>
@@ -2941,7 +2941,7 @@
           <a:p>
             <a:fld id="{CF6916CF-7E12-46C3-A184-553814E5121E}" type="datetimeFigureOut">
               <a:rPr lang="en-IN" smtClean="0"/>
-              <a:t>19-07-2024</a:t>
+              <a:t>28-07-2024</a:t>
             </a:fld>
             <a:endParaRPr lang="en-IN"/>
           </a:p>
@@ -4541,7 +4541,7 @@
         </p:blipFill>
         <p:spPr>
           <a:xfrm>
-            <a:off x="326053" y="654423"/>
+            <a:off x="182618" y="654423"/>
             <a:ext cx="6047853" cy="5993830"/>
           </a:xfrm>
           <a:prstGeom prst="rect">
